--- a/lections/presentations/DataTypes_first.pptx
+++ b/lections/presentations/DataTypes_first.pptx
@@ -8,7 +8,7 @@
     <p:sldMasterId id="2147483697" r:id="rId4"/>
   </p:sldMasterIdLst>
   <p:notesMasterIdLst>
-    <p:notesMasterId r:id="rId38"/>
+    <p:notesMasterId r:id="rId39"/>
   </p:notesMasterIdLst>
   <p:sldIdLst>
     <p:sldId id="259" r:id="rId5"/>
@@ -29,21 +29,22 @@
     <p:sldId id="273" r:id="rId20"/>
     <p:sldId id="281" r:id="rId21"/>
     <p:sldId id="282" r:id="rId22"/>
-    <p:sldId id="283" r:id="rId23"/>
-    <p:sldId id="284" r:id="rId24"/>
-    <p:sldId id="285" r:id="rId25"/>
-    <p:sldId id="268" r:id="rId26"/>
-    <p:sldId id="286" r:id="rId27"/>
-    <p:sldId id="287" r:id="rId28"/>
-    <p:sldId id="288" r:id="rId29"/>
-    <p:sldId id="289" r:id="rId30"/>
-    <p:sldId id="291" r:id="rId31"/>
-    <p:sldId id="290" r:id="rId32"/>
-    <p:sldId id="269" r:id="rId33"/>
-    <p:sldId id="292" r:id="rId34"/>
-    <p:sldId id="293" r:id="rId35"/>
-    <p:sldId id="294" r:id="rId36"/>
-    <p:sldId id="295" r:id="rId37"/>
+    <p:sldId id="296" r:id="rId23"/>
+    <p:sldId id="283" r:id="rId24"/>
+    <p:sldId id="284" r:id="rId25"/>
+    <p:sldId id="285" r:id="rId26"/>
+    <p:sldId id="268" r:id="rId27"/>
+    <p:sldId id="286" r:id="rId28"/>
+    <p:sldId id="287" r:id="rId29"/>
+    <p:sldId id="288" r:id="rId30"/>
+    <p:sldId id="289" r:id="rId31"/>
+    <p:sldId id="291" r:id="rId32"/>
+    <p:sldId id="290" r:id="rId33"/>
+    <p:sldId id="269" r:id="rId34"/>
+    <p:sldId id="292" r:id="rId35"/>
+    <p:sldId id="293" r:id="rId36"/>
+    <p:sldId id="294" r:id="rId37"/>
+    <p:sldId id="295" r:id="rId38"/>
   </p:sldIdLst>
   <p:sldSz cx="12192000" cy="6858000"/>
   <p:notesSz cx="6858000" cy="9144000"/>
@@ -366,7 +367,7 @@
           <a:p>
             <a:fld id="{7C62F636-52BC-4867-AF44-5797BE49A4FD}" type="datetimeFigureOut">
               <a:rPr lang="ru-RU" smtClean="0"/>
-              <a:t>12.08.2022</a:t>
+              <a:t>01.09.2022</a:t>
             </a:fld>
             <a:endParaRPr lang="ru-RU"/>
           </a:p>
@@ -698,7 +699,7 @@
           <a:p>
             <a:fld id="{72498FB5-6173-4DDC-A3FB-D270A14B35B2}" type="slidenum">
               <a:rPr lang="ru-RU" smtClean="0"/>
-              <a:t>30</a:t>
+              <a:t>31</a:t>
             </a:fld>
             <a:endParaRPr lang="ru-RU"/>
           </a:p>
@@ -40293,38 +40294,55 @@
       </p:sp>
       <p:pic>
         <p:nvPicPr>
-          <p:cNvPr id="6" name="Рисунок 5">
+          <p:cNvPr id="1026" name="Picture 2">
             <a:extLst>
               <a:ext uri="{FF2B5EF4-FFF2-40B4-BE49-F238E27FC236}">
-                <a16:creationId xmlns:a16="http://schemas.microsoft.com/office/drawing/2014/main" id="{B9933250-5FEA-49F4-B60F-04D4CB0DE029}"/>
+                <a16:creationId xmlns:a16="http://schemas.microsoft.com/office/drawing/2014/main" id="{3575E5AE-D58F-4300-8479-8077DCFB47D2}"/>
               </a:ext>
             </a:extLst>
           </p:cNvPr>
           <p:cNvPicPr>
-            <a:picLocks noChangeAspect="1"/>
+            <a:picLocks noChangeAspect="1" noChangeArrowheads="1"/>
           </p:cNvPicPr>
           <p:nvPr/>
         </p:nvPicPr>
         <p:blipFill>
-          <a:blip r:embed="rId2"/>
+          <a:blip r:embed="rId2">
+            <a:extLst>
+              <a:ext uri="{28A0092B-C50C-407E-A947-70E740481C1C}">
+                <a14:useLocalDpi xmlns:a14="http://schemas.microsoft.com/office/drawing/2010/main" val="0"/>
+              </a:ext>
+            </a:extLst>
+          </a:blip>
+          <a:srcRect/>
           <a:stretch>
             <a:fillRect/>
           </a:stretch>
         </p:blipFill>
-        <p:spPr>
+        <p:spPr bwMode="auto">
           <a:xfrm>
-            <a:off x="2075921" y="1682030"/>
-            <a:ext cx="8040158" cy="4374570"/>
+            <a:off x="4142765" y="1794933"/>
+            <a:ext cx="3906469" cy="4004733"/>
           </a:xfrm>
           <a:prstGeom prst="rect">
             <a:avLst/>
           </a:prstGeom>
+          <a:noFill/>
+          <a:extLst>
+            <a:ext uri="{909E8E84-426E-40DD-AFC4-6F175D3DCCD1}">
+              <a14:hiddenFill xmlns:a14="http://schemas.microsoft.com/office/drawing/2010/main">
+                <a:solidFill>
+                  <a:srgbClr val="FFFFFF"/>
+                </a:solidFill>
+              </a14:hiddenFill>
+            </a:ext>
+          </a:extLst>
         </p:spPr>
       </p:pic>
     </p:spTree>
     <p:extLst>
       <p:ext uri="{BB962C8B-B14F-4D97-AF65-F5344CB8AC3E}">
-        <p14:creationId xmlns:p14="http://schemas.microsoft.com/office/powerpoint/2010/main" val="1803236300"/>
+        <p14:creationId xmlns:p14="http://schemas.microsoft.com/office/powerpoint/2010/main" val="35024473"/>
       </p:ext>
     </p:extLst>
   </p:cSld>
@@ -40925,6 +40943,94 @@
 </file>
 
 <file path=ppt/slides/slide20.xml><?xml version="1.0" encoding="utf-8"?>
+<p:sld xmlns:a="http://schemas.openxmlformats.org/drawingml/2006/main" xmlns:r="http://schemas.openxmlformats.org/officeDocument/2006/relationships" xmlns:p="http://schemas.openxmlformats.org/presentationml/2006/main">
+  <p:cSld>
+    <p:spTree>
+      <p:nvGrpSpPr>
+        <p:cNvPr id="1" name=""/>
+        <p:cNvGrpSpPr/>
+        <p:nvPr/>
+      </p:nvGrpSpPr>
+      <p:grpSpPr>
+        <a:xfrm>
+          <a:off x="0" y="0"/>
+          <a:ext cx="0" cy="0"/>
+          <a:chOff x="0" y="0"/>
+          <a:chExt cx="0" cy="0"/>
+        </a:xfrm>
+      </p:grpSpPr>
+      <p:sp>
+        <p:nvSpPr>
+          <p:cNvPr id="2" name="Заголовок 1">
+            <a:extLst>
+              <a:ext uri="{FF2B5EF4-FFF2-40B4-BE49-F238E27FC236}">
+                <a16:creationId xmlns:a16="http://schemas.microsoft.com/office/drawing/2014/main" id="{D0B0616F-FC3A-48A9-A680-8C5809B6A170}"/>
+              </a:ext>
+            </a:extLst>
+          </p:cNvPr>
+          <p:cNvSpPr>
+            <a:spLocks noGrp="1"/>
+          </p:cNvSpPr>
+          <p:nvPr>
+            <p:ph type="title"/>
+          </p:nvPr>
+        </p:nvSpPr>
+        <p:spPr/>
+        <p:txBody>
+          <a:bodyPr/>
+          <a:lstStyle/>
+          <a:p>
+            <a:r>
+              <a:rPr lang="ru-RU" dirty="0"/>
+              <a:t>Назначение переменных </a:t>
+            </a:r>
+          </a:p>
+        </p:txBody>
+      </p:sp>
+      <p:pic>
+        <p:nvPicPr>
+          <p:cNvPr id="6" name="Рисунок 5">
+            <a:extLst>
+              <a:ext uri="{FF2B5EF4-FFF2-40B4-BE49-F238E27FC236}">
+                <a16:creationId xmlns:a16="http://schemas.microsoft.com/office/drawing/2014/main" id="{B9933250-5FEA-49F4-B60F-04D4CB0DE029}"/>
+              </a:ext>
+            </a:extLst>
+          </p:cNvPr>
+          <p:cNvPicPr>
+            <a:picLocks noChangeAspect="1"/>
+          </p:cNvPicPr>
+          <p:nvPr/>
+        </p:nvPicPr>
+        <p:blipFill>
+          <a:blip r:embed="rId2"/>
+          <a:stretch>
+            <a:fillRect/>
+          </a:stretch>
+        </p:blipFill>
+        <p:spPr>
+          <a:xfrm>
+            <a:off x="2075921" y="1682030"/>
+            <a:ext cx="8040158" cy="4374570"/>
+          </a:xfrm>
+          <a:prstGeom prst="rect">
+            <a:avLst/>
+          </a:prstGeom>
+        </p:spPr>
+      </p:pic>
+    </p:spTree>
+    <p:extLst>
+      <p:ext uri="{BB962C8B-B14F-4D97-AF65-F5344CB8AC3E}">
+        <p14:creationId xmlns:p14="http://schemas.microsoft.com/office/powerpoint/2010/main" val="1803236300"/>
+      </p:ext>
+    </p:extLst>
+  </p:cSld>
+  <p:clrMapOvr>
+    <a:masterClrMapping/>
+  </p:clrMapOvr>
+</p:sld>
+</file>
+
+<file path=ppt/slides/slide21.xml><?xml version="1.0" encoding="utf-8"?>
 <p:sld xmlns:a="http://schemas.openxmlformats.org/drawingml/2006/main" xmlns:r="http://schemas.openxmlformats.org/officeDocument/2006/relationships" xmlns:p="http://schemas.openxmlformats.org/presentationml/2006/main">
   <p:cSld>
     <p:spTree>
@@ -41459,7 +41565,7 @@
 </p:sld>
 </file>
 
-<file path=ppt/slides/slide21.xml><?xml version="1.0" encoding="utf-8"?>
+<file path=ppt/slides/slide22.xml><?xml version="1.0" encoding="utf-8"?>
 <p:sld xmlns:a="http://schemas.openxmlformats.org/drawingml/2006/main" xmlns:r="http://schemas.openxmlformats.org/officeDocument/2006/relationships" xmlns:p="http://schemas.openxmlformats.org/presentationml/2006/main">
   <p:cSld>
     <p:spTree>
@@ -41547,7 +41653,7 @@
 </p:sld>
 </file>
 
-<file path=ppt/slides/slide22.xml><?xml version="1.0" encoding="utf-8"?>
+<file path=ppt/slides/slide23.xml><?xml version="1.0" encoding="utf-8"?>
 <p:sld xmlns:a="http://schemas.openxmlformats.org/drawingml/2006/main" xmlns:r="http://schemas.openxmlformats.org/officeDocument/2006/relationships" xmlns:p="http://schemas.openxmlformats.org/presentationml/2006/main">
   <p:cSld>
     <p:spTree>
@@ -41647,7 +41753,7 @@
 </p:sld>
 </file>
 
-<file path=ppt/slides/slide23.xml><?xml version="1.0" encoding="utf-8"?>
+<file path=ppt/slides/slide24.xml><?xml version="1.0" encoding="utf-8"?>
 <p:sld xmlns:a="http://schemas.openxmlformats.org/drawingml/2006/main" xmlns:r="http://schemas.openxmlformats.org/officeDocument/2006/relationships" xmlns:p="http://schemas.openxmlformats.org/presentationml/2006/main">
   <p:cSld>
     <p:spTree>
@@ -41736,7 +41842,7 @@
 </p:sld>
 </file>
 
-<file path=ppt/slides/slide24.xml><?xml version="1.0" encoding="utf-8"?>
+<file path=ppt/slides/slide25.xml><?xml version="1.0" encoding="utf-8"?>
 <p:sld xmlns:a="http://schemas.openxmlformats.org/drawingml/2006/main" xmlns:r="http://schemas.openxmlformats.org/officeDocument/2006/relationships" xmlns:p="http://schemas.openxmlformats.org/presentationml/2006/main">
   <p:cSld>
     <p:spTree>
@@ -41825,7 +41931,7 @@
 </p:sld>
 </file>
 
-<file path=ppt/slides/slide25.xml><?xml version="1.0" encoding="utf-8"?>
+<file path=ppt/slides/slide26.xml><?xml version="1.0" encoding="utf-8"?>
 <p:sld xmlns:a="http://schemas.openxmlformats.org/drawingml/2006/main" xmlns:r="http://schemas.openxmlformats.org/officeDocument/2006/relationships" xmlns:p="http://schemas.openxmlformats.org/presentationml/2006/main">
   <p:cSld>
     <p:spTree>
@@ -41917,7 +42023,7 @@
 </p:sld>
 </file>
 
-<file path=ppt/slides/slide26.xml><?xml version="1.0" encoding="utf-8"?>
+<file path=ppt/slides/slide27.xml><?xml version="1.0" encoding="utf-8"?>
 <p:sld xmlns:a="http://schemas.openxmlformats.org/drawingml/2006/main" xmlns:r="http://schemas.openxmlformats.org/officeDocument/2006/relationships" xmlns:p="http://schemas.openxmlformats.org/presentationml/2006/main">
   <p:cSld>
     <p:spTree>
@@ -42006,7 +42112,7 @@
 </p:sld>
 </file>
 
-<file path=ppt/slides/slide27.xml><?xml version="1.0" encoding="utf-8"?>
+<file path=ppt/slides/slide28.xml><?xml version="1.0" encoding="utf-8"?>
 <p:sld xmlns:a="http://schemas.openxmlformats.org/drawingml/2006/main" xmlns:r="http://schemas.openxmlformats.org/officeDocument/2006/relationships" xmlns:p="http://schemas.openxmlformats.org/presentationml/2006/main">
   <p:cSld>
     <p:spTree>
@@ -42099,7 +42205,7 @@
 </p:sld>
 </file>
 
-<file path=ppt/slides/slide28.xml><?xml version="1.0" encoding="utf-8"?>
+<file path=ppt/slides/slide29.xml><?xml version="1.0" encoding="utf-8"?>
 <p:sld xmlns:a="http://schemas.openxmlformats.org/drawingml/2006/main" xmlns:r="http://schemas.openxmlformats.org/officeDocument/2006/relationships" xmlns:p="http://schemas.openxmlformats.org/presentationml/2006/main">
   <p:cSld>
     <p:spTree>
@@ -42200,7 +42306,680 @@
 </p:sld>
 </file>
 
-<file path=ppt/slides/slide29.xml><?xml version="1.0" encoding="utf-8"?>
+<file path=ppt/slides/slide3.xml><?xml version="1.0" encoding="utf-8"?>
+<p:sld xmlns:a="http://schemas.openxmlformats.org/drawingml/2006/main" xmlns:r="http://schemas.openxmlformats.org/officeDocument/2006/relationships" xmlns:p="http://schemas.openxmlformats.org/presentationml/2006/main">
+  <p:cSld>
+    <p:spTree>
+      <p:nvGrpSpPr>
+        <p:cNvPr id="1" name=""/>
+        <p:cNvGrpSpPr/>
+        <p:nvPr/>
+      </p:nvGrpSpPr>
+      <p:grpSpPr>
+        <a:xfrm>
+          <a:off x="0" y="0"/>
+          <a:ext cx="0" cy="0"/>
+          <a:chOff x="0" y="0"/>
+          <a:chExt cx="0" cy="0"/>
+        </a:xfrm>
+      </p:grpSpPr>
+      <p:sp>
+        <p:nvSpPr>
+          <p:cNvPr id="2" name="Заголовок 1">
+            <a:extLst>
+              <a:ext uri="{FF2B5EF4-FFF2-40B4-BE49-F238E27FC236}">
+                <a16:creationId xmlns:a16="http://schemas.microsoft.com/office/drawing/2014/main" id="{93BB068E-CCD3-41B7-AE1D-BA9164BA7459}"/>
+              </a:ext>
+            </a:extLst>
+          </p:cNvPr>
+          <p:cNvSpPr>
+            <a:spLocks noGrp="1"/>
+          </p:cNvSpPr>
+          <p:nvPr>
+            <p:ph type="title"/>
+          </p:nvPr>
+        </p:nvSpPr>
+        <p:spPr/>
+        <p:txBody>
+          <a:bodyPr/>
+          <a:lstStyle/>
+          <a:p>
+            <a:r>
+              <a:rPr lang="ru-RU" sz="4000" dirty="0"/>
+              <a:t>Типы данных</a:t>
+            </a:r>
+            <a:r>
+              <a:rPr lang="en-US" sz="4000" dirty="0"/>
+              <a:t> </a:t>
+            </a:r>
+            <a:r>
+              <a:rPr lang="ru-RU" sz="4000" dirty="0"/>
+              <a:t>по изменяемости</a:t>
+            </a:r>
+          </a:p>
+        </p:txBody>
+      </p:sp>
+      <p:sp>
+        <p:nvSpPr>
+          <p:cNvPr id="9" name="TextBox 8">
+            <a:extLst>
+              <a:ext uri="{FF2B5EF4-FFF2-40B4-BE49-F238E27FC236}">
+                <a16:creationId xmlns:a16="http://schemas.microsoft.com/office/drawing/2014/main" id="{F144B19F-105A-42A2-886C-FF877432D3BA}"/>
+              </a:ext>
+            </a:extLst>
+          </p:cNvPr>
+          <p:cNvSpPr txBox="1"/>
+          <p:nvPr/>
+        </p:nvSpPr>
+        <p:spPr>
+          <a:xfrm>
+            <a:off x="4495802" y="4957522"/>
+            <a:ext cx="3344333" cy="461665"/>
+          </a:xfrm>
+          <a:prstGeom prst="rect">
+            <a:avLst/>
+          </a:prstGeom>
+          <a:noFill/>
+        </p:spPr>
+        <p:txBody>
+          <a:bodyPr wrap="square">
+            <a:spAutoFit/>
+          </a:bodyPr>
+          <a:lstStyle/>
+          <a:p>
+            <a:pPr algn="ctr" rtl="0">
+              <a:spcBef>
+                <a:spcPts val="0"/>
+              </a:spcBef>
+              <a:spcAft>
+                <a:spcPts val="0"/>
+              </a:spcAft>
+            </a:pPr>
+            <a:r>
+              <a:rPr lang="en-US" sz="2400" b="1" i="0" u="none" strike="noStrike" dirty="0">
+                <a:solidFill>
+                  <a:srgbClr val="00B050"/>
+                </a:solidFill>
+                <a:effectLst/>
+                <a:latin typeface="Source Code Pro Medium" panose="020B0509030403020204" pitchFamily="49" charset="0"/>
+                <a:ea typeface="Source Code Pro Medium" panose="020B0509030403020204" pitchFamily="49" charset="0"/>
+                <a:cs typeface="Amatic SC" panose="00000500000000000000" pitchFamily="2" charset="-79"/>
+              </a:rPr>
+              <a:t>Tuples (</a:t>
+            </a:r>
+            <a:r>
+              <a:rPr lang="ru-RU" sz="2400" b="1" i="0" u="none" strike="noStrike" dirty="0">
+                <a:solidFill>
+                  <a:srgbClr val="00B050"/>
+                </a:solidFill>
+                <a:effectLst/>
+                <a:latin typeface="Source Code Pro Medium" panose="020B0509030403020204" pitchFamily="49" charset="0"/>
+                <a:ea typeface="Source Code Pro Medium" panose="020B0509030403020204" pitchFamily="49" charset="0"/>
+                <a:cs typeface="Amatic SC" panose="00000500000000000000" pitchFamily="2" charset="-79"/>
+              </a:rPr>
+              <a:t>кортежи)</a:t>
+            </a:r>
+          </a:p>
+        </p:txBody>
+      </p:sp>
+      <p:sp>
+        <p:nvSpPr>
+          <p:cNvPr id="10" name="TextBox 9">
+            <a:extLst>
+              <a:ext uri="{FF2B5EF4-FFF2-40B4-BE49-F238E27FC236}">
+                <a16:creationId xmlns:a16="http://schemas.microsoft.com/office/drawing/2014/main" id="{BF34203F-A692-4D89-8307-481175E8F567}"/>
+              </a:ext>
+            </a:extLst>
+          </p:cNvPr>
+          <p:cNvSpPr txBox="1"/>
+          <p:nvPr/>
+        </p:nvSpPr>
+        <p:spPr>
+          <a:xfrm>
+            <a:off x="8074066" y="2172467"/>
+            <a:ext cx="3344333" cy="461665"/>
+          </a:xfrm>
+          <a:prstGeom prst="rect">
+            <a:avLst/>
+          </a:prstGeom>
+          <a:noFill/>
+        </p:spPr>
+        <p:txBody>
+          <a:bodyPr wrap="square">
+            <a:spAutoFit/>
+          </a:bodyPr>
+          <a:lstStyle/>
+          <a:p>
+            <a:pPr algn="ctr" rtl="0">
+              <a:spcBef>
+                <a:spcPts val="0"/>
+              </a:spcBef>
+              <a:spcAft>
+                <a:spcPts val="0"/>
+              </a:spcAft>
+            </a:pPr>
+            <a:r>
+              <a:rPr lang="en-US" sz="2400" b="1" i="0" u="none" strike="noStrike" dirty="0">
+                <a:solidFill>
+                  <a:srgbClr val="00B050"/>
+                </a:solidFill>
+                <a:effectLst/>
+                <a:latin typeface="Source Code Pro Medium" panose="020B0509030403020204" pitchFamily="49" charset="0"/>
+                <a:ea typeface="Source Code Pro Medium" panose="020B0509030403020204" pitchFamily="49" charset="0"/>
+                <a:cs typeface="Amatic SC" panose="00000500000000000000" pitchFamily="2" charset="-79"/>
+              </a:rPr>
+              <a:t>String (</a:t>
+            </a:r>
+            <a:r>
+              <a:rPr lang="ru-RU" sz="2400" b="1" i="0" u="none" strike="noStrike" dirty="0">
+                <a:solidFill>
+                  <a:srgbClr val="00B050"/>
+                </a:solidFill>
+                <a:effectLst/>
+                <a:latin typeface="Source Code Pro Medium" panose="020B0509030403020204" pitchFamily="49" charset="0"/>
+                <a:ea typeface="Source Code Pro Medium" panose="020B0509030403020204" pitchFamily="49" charset="0"/>
+                <a:cs typeface="Amatic SC" panose="00000500000000000000" pitchFamily="2" charset="-79"/>
+              </a:rPr>
+              <a:t>строки)</a:t>
+            </a:r>
+          </a:p>
+        </p:txBody>
+      </p:sp>
+      <p:sp>
+        <p:nvSpPr>
+          <p:cNvPr id="12" name="TextBox 11">
+            <a:extLst>
+              <a:ext uri="{FF2B5EF4-FFF2-40B4-BE49-F238E27FC236}">
+                <a16:creationId xmlns:a16="http://schemas.microsoft.com/office/drawing/2014/main" id="{51459F0E-F094-4456-A463-A43C145D73AB}"/>
+              </a:ext>
+            </a:extLst>
+          </p:cNvPr>
+          <p:cNvSpPr txBox="1"/>
+          <p:nvPr/>
+        </p:nvSpPr>
+        <p:spPr>
+          <a:xfrm>
+            <a:off x="7907867" y="4756568"/>
+            <a:ext cx="3344333" cy="830997"/>
+          </a:xfrm>
+          <a:prstGeom prst="rect">
+            <a:avLst/>
+          </a:prstGeom>
+          <a:noFill/>
+        </p:spPr>
+        <p:txBody>
+          <a:bodyPr wrap="square">
+            <a:spAutoFit/>
+          </a:bodyPr>
+          <a:lstStyle/>
+          <a:p>
+            <a:pPr algn="ctr" rtl="0">
+              <a:spcBef>
+                <a:spcPts val="0"/>
+              </a:spcBef>
+              <a:spcAft>
+                <a:spcPts val="0"/>
+              </a:spcAft>
+            </a:pPr>
+            <a:r>
+              <a:rPr lang="en-US" sz="2400" b="1" i="0" u="none" strike="noStrike" dirty="0">
+                <a:solidFill>
+                  <a:srgbClr val="0000FF"/>
+                </a:solidFill>
+                <a:effectLst/>
+                <a:latin typeface="Source Code Pro Medium" panose="020B0509030403020204" pitchFamily="49" charset="0"/>
+                <a:ea typeface="Source Code Pro Medium" panose="020B0509030403020204" pitchFamily="49" charset="0"/>
+                <a:cs typeface="Amatic SC" panose="00000500000000000000" pitchFamily="2" charset="-79"/>
+              </a:rPr>
+              <a:t>Dictionaries (</a:t>
+            </a:r>
+            <a:r>
+              <a:rPr lang="ru-RU" sz="2400" b="1" i="0" u="none" strike="noStrike" dirty="0">
+                <a:solidFill>
+                  <a:srgbClr val="0000FF"/>
+                </a:solidFill>
+                <a:effectLst/>
+                <a:latin typeface="Source Code Pro Medium" panose="020B0509030403020204" pitchFamily="49" charset="0"/>
+                <a:ea typeface="Source Code Pro Medium" panose="020B0509030403020204" pitchFamily="49" charset="0"/>
+                <a:cs typeface="Amatic SC" panose="00000500000000000000" pitchFamily="2" charset="-79"/>
+              </a:rPr>
+              <a:t>словари)</a:t>
+            </a:r>
+          </a:p>
+        </p:txBody>
+      </p:sp>
+      <p:sp>
+        <p:nvSpPr>
+          <p:cNvPr id="13" name="TextBox 12">
+            <a:extLst>
+              <a:ext uri="{FF2B5EF4-FFF2-40B4-BE49-F238E27FC236}">
+                <a16:creationId xmlns:a16="http://schemas.microsoft.com/office/drawing/2014/main" id="{2CB4782B-1D4B-40FC-9BC0-F2F8FC139625}"/>
+              </a:ext>
+            </a:extLst>
+          </p:cNvPr>
+          <p:cNvSpPr txBox="1"/>
+          <p:nvPr/>
+        </p:nvSpPr>
+        <p:spPr>
+          <a:xfrm>
+            <a:off x="939802" y="4991866"/>
+            <a:ext cx="3344333" cy="461665"/>
+          </a:xfrm>
+          <a:prstGeom prst="rect">
+            <a:avLst/>
+          </a:prstGeom>
+          <a:noFill/>
+        </p:spPr>
+        <p:txBody>
+          <a:bodyPr wrap="square">
+            <a:spAutoFit/>
+          </a:bodyPr>
+          <a:lstStyle/>
+          <a:p>
+            <a:pPr algn="ctr" rtl="0">
+              <a:spcBef>
+                <a:spcPts val="0"/>
+              </a:spcBef>
+              <a:spcAft>
+                <a:spcPts val="0"/>
+              </a:spcAft>
+            </a:pPr>
+            <a:r>
+              <a:rPr lang="en-US" sz="2400" b="1" i="0" u="none" strike="noStrike" dirty="0">
+                <a:solidFill>
+                  <a:srgbClr val="0000FF"/>
+                </a:solidFill>
+                <a:effectLst/>
+                <a:latin typeface="Source Code Pro Medium" panose="020B0509030403020204" pitchFamily="49" charset="0"/>
+                <a:ea typeface="Source Code Pro Medium" panose="020B0509030403020204" pitchFamily="49" charset="0"/>
+                <a:cs typeface="Amatic SC" panose="00000500000000000000" pitchFamily="2" charset="-79"/>
+              </a:rPr>
+              <a:t>Set (</a:t>
+            </a:r>
+            <a:r>
+              <a:rPr lang="ru-RU" sz="2400" b="1" i="0" u="none" strike="noStrike" dirty="0">
+                <a:solidFill>
+                  <a:srgbClr val="0000FF"/>
+                </a:solidFill>
+                <a:effectLst/>
+                <a:latin typeface="Source Code Pro Medium" panose="020B0509030403020204" pitchFamily="49" charset="0"/>
+                <a:ea typeface="Source Code Pro Medium" panose="020B0509030403020204" pitchFamily="49" charset="0"/>
+                <a:cs typeface="Amatic SC" panose="00000500000000000000" pitchFamily="2" charset="-79"/>
+              </a:rPr>
+              <a:t>множества)</a:t>
+            </a:r>
+          </a:p>
+        </p:txBody>
+      </p:sp>
+      <p:sp>
+        <p:nvSpPr>
+          <p:cNvPr id="15" name="TextBox 14">
+            <a:extLst>
+              <a:ext uri="{FF2B5EF4-FFF2-40B4-BE49-F238E27FC236}">
+                <a16:creationId xmlns:a16="http://schemas.microsoft.com/office/drawing/2014/main" id="{9E5093F3-42AF-4C96-9986-510B61FDE363}"/>
+              </a:ext>
+            </a:extLst>
+          </p:cNvPr>
+          <p:cNvSpPr txBox="1"/>
+          <p:nvPr/>
+        </p:nvSpPr>
+        <p:spPr>
+          <a:xfrm>
+            <a:off x="7984072" y="3487600"/>
+            <a:ext cx="3344333" cy="461665"/>
+          </a:xfrm>
+          <a:prstGeom prst="rect">
+            <a:avLst/>
+          </a:prstGeom>
+          <a:noFill/>
+        </p:spPr>
+        <p:txBody>
+          <a:bodyPr wrap="square">
+            <a:spAutoFit/>
+          </a:bodyPr>
+          <a:lstStyle/>
+          <a:p>
+            <a:pPr algn="ctr" rtl="0">
+              <a:spcBef>
+                <a:spcPts val="0"/>
+              </a:spcBef>
+              <a:spcAft>
+                <a:spcPts val="0"/>
+              </a:spcAft>
+            </a:pPr>
+            <a:r>
+              <a:rPr lang="en-US" sz="2400" b="1" i="0" u="none" strike="noStrike" dirty="0">
+                <a:solidFill>
+                  <a:srgbClr val="0000FF"/>
+                </a:solidFill>
+                <a:effectLst/>
+                <a:latin typeface="Source Code Pro Medium" panose="020B0509030403020204" pitchFamily="49" charset="0"/>
+                <a:ea typeface="Source Code Pro Medium" panose="020B0509030403020204" pitchFamily="49" charset="0"/>
+                <a:cs typeface="Amatic SC" panose="00000500000000000000" pitchFamily="2" charset="-79"/>
+              </a:rPr>
+              <a:t>List (</a:t>
+            </a:r>
+            <a:r>
+              <a:rPr lang="ru-RU" sz="2400" b="1" i="0" u="none" strike="noStrike" dirty="0">
+                <a:solidFill>
+                  <a:srgbClr val="0000FF"/>
+                </a:solidFill>
+                <a:effectLst/>
+                <a:latin typeface="Source Code Pro Medium" panose="020B0509030403020204" pitchFamily="49" charset="0"/>
+                <a:ea typeface="Source Code Pro Medium" panose="020B0509030403020204" pitchFamily="49" charset="0"/>
+                <a:cs typeface="Amatic SC" panose="00000500000000000000" pitchFamily="2" charset="-79"/>
+              </a:rPr>
+              <a:t>списки)</a:t>
+            </a:r>
+          </a:p>
+        </p:txBody>
+      </p:sp>
+      <p:sp>
+        <p:nvSpPr>
+          <p:cNvPr id="16" name="TextBox 15">
+            <a:extLst>
+              <a:ext uri="{FF2B5EF4-FFF2-40B4-BE49-F238E27FC236}">
+                <a16:creationId xmlns:a16="http://schemas.microsoft.com/office/drawing/2014/main" id="{D073671C-638A-4140-AAC0-1311FAC8D9C9}"/>
+              </a:ext>
+            </a:extLst>
+          </p:cNvPr>
+          <p:cNvSpPr txBox="1"/>
+          <p:nvPr/>
+        </p:nvSpPr>
+        <p:spPr>
+          <a:xfrm>
+            <a:off x="4314438" y="3118270"/>
+            <a:ext cx="3707064" cy="1200329"/>
+          </a:xfrm>
+          <a:prstGeom prst="rect">
+            <a:avLst/>
+          </a:prstGeom>
+          <a:noFill/>
+        </p:spPr>
+        <p:txBody>
+          <a:bodyPr wrap="square">
+            <a:spAutoFit/>
+          </a:bodyPr>
+          <a:lstStyle/>
+          <a:p>
+            <a:pPr algn="ctr" rtl="0">
+              <a:spcBef>
+                <a:spcPts val="0"/>
+              </a:spcBef>
+              <a:spcAft>
+                <a:spcPts val="0"/>
+              </a:spcAft>
+            </a:pPr>
+            <a:r>
+              <a:rPr lang="ru-RU" sz="3600" b="1" i="0" u="none" strike="noStrike" dirty="0">
+                <a:solidFill>
+                  <a:srgbClr val="0000FF"/>
+                </a:solidFill>
+                <a:effectLst/>
+                <a:latin typeface="Amatic SC" panose="00000500000000000000" pitchFamily="2" charset="-79"/>
+                <a:cs typeface="Amatic SC" panose="00000500000000000000" pitchFamily="2" charset="-79"/>
+              </a:rPr>
+              <a:t>Изменяемые</a:t>
+            </a:r>
+            <a:endParaRPr lang="ru-RU" sz="3600" b="0" dirty="0">
+              <a:effectLst/>
+              <a:latin typeface="Amatic SC" panose="00000500000000000000" pitchFamily="2" charset="-79"/>
+              <a:cs typeface="Amatic SC" panose="00000500000000000000" pitchFamily="2" charset="-79"/>
+            </a:endParaRPr>
+          </a:p>
+          <a:p>
+            <a:pPr algn="ctr" rtl="0">
+              <a:spcBef>
+                <a:spcPts val="0"/>
+              </a:spcBef>
+              <a:spcAft>
+                <a:spcPts val="0"/>
+              </a:spcAft>
+            </a:pPr>
+            <a:r>
+              <a:rPr lang="ru-RU" sz="3600" b="1" i="0" u="none" strike="noStrike" dirty="0">
+                <a:solidFill>
+                  <a:srgbClr val="00B050"/>
+                </a:solidFill>
+                <a:effectLst/>
+                <a:latin typeface="Amatic SC" panose="00000500000000000000" pitchFamily="2" charset="-79"/>
+                <a:cs typeface="Amatic SC" panose="00000500000000000000" pitchFamily="2" charset="-79"/>
+              </a:rPr>
+              <a:t>Неизменяемые</a:t>
+            </a:r>
+            <a:endParaRPr lang="ru-RU" sz="3600" dirty="0">
+              <a:solidFill>
+                <a:srgbClr val="00B050"/>
+              </a:solidFill>
+              <a:latin typeface="Amatic SC" panose="00000500000000000000" pitchFamily="2" charset="-79"/>
+              <a:cs typeface="Amatic SC" panose="00000500000000000000" pitchFamily="2" charset="-79"/>
+            </a:endParaRPr>
+          </a:p>
+        </p:txBody>
+      </p:sp>
+      <p:sp>
+        <p:nvSpPr>
+          <p:cNvPr id="11" name="TextBox 10">
+            <a:extLst>
+              <a:ext uri="{FF2B5EF4-FFF2-40B4-BE49-F238E27FC236}">
+                <a16:creationId xmlns:a16="http://schemas.microsoft.com/office/drawing/2014/main" id="{79C5F90F-CAB5-4099-9E26-C67DE14B3272}"/>
+              </a:ext>
+            </a:extLst>
+          </p:cNvPr>
+          <p:cNvSpPr txBox="1"/>
+          <p:nvPr/>
+        </p:nvSpPr>
+        <p:spPr>
+          <a:xfrm>
+            <a:off x="939800" y="1803134"/>
+            <a:ext cx="3462867" cy="1200329"/>
+          </a:xfrm>
+          <a:prstGeom prst="rect">
+            <a:avLst/>
+          </a:prstGeom>
+          <a:noFill/>
+        </p:spPr>
+        <p:txBody>
+          <a:bodyPr wrap="square">
+            <a:spAutoFit/>
+          </a:bodyPr>
+          <a:lstStyle/>
+          <a:p>
+            <a:pPr algn="ctr" rtl="0">
+              <a:spcBef>
+                <a:spcPts val="0"/>
+              </a:spcBef>
+              <a:spcAft>
+                <a:spcPts val="0"/>
+              </a:spcAft>
+            </a:pPr>
+            <a:r>
+              <a:rPr lang="en-US" sz="2400" b="1" i="0" u="none" strike="noStrike" dirty="0">
+                <a:solidFill>
+                  <a:srgbClr val="00B050"/>
+                </a:solidFill>
+                <a:effectLst/>
+                <a:latin typeface="Source Code Pro Medium" panose="020B0604020202020204" pitchFamily="49" charset="0"/>
+                <a:ea typeface="Source Code Pro Medium" panose="020B0604020202020204" pitchFamily="49" charset="0"/>
+                <a:cs typeface="Amatic SC" panose="00000500000000000000" pitchFamily="2" charset="-79"/>
+              </a:rPr>
+              <a:t>Boolean </a:t>
+            </a:r>
+            <a:endParaRPr lang="en-US" sz="2400" b="1" dirty="0">
+              <a:solidFill>
+                <a:srgbClr val="00B050"/>
+              </a:solidFill>
+              <a:effectLst/>
+              <a:latin typeface="Source Code Pro Medium" panose="020B0604020202020204" pitchFamily="49" charset="0"/>
+              <a:ea typeface="Source Code Pro Medium" panose="020B0604020202020204" pitchFamily="49" charset="0"/>
+              <a:cs typeface="Amatic SC" panose="00000500000000000000" pitchFamily="2" charset="-79"/>
+            </a:endParaRPr>
+          </a:p>
+          <a:p>
+            <a:pPr algn="ctr" rtl="0">
+              <a:spcBef>
+                <a:spcPts val="0"/>
+              </a:spcBef>
+              <a:spcAft>
+                <a:spcPts val="0"/>
+              </a:spcAft>
+            </a:pPr>
+            <a:r>
+              <a:rPr lang="en-US" sz="2400" b="1" i="0" u="none" strike="noStrike" dirty="0">
+                <a:solidFill>
+                  <a:srgbClr val="00B050"/>
+                </a:solidFill>
+                <a:effectLst/>
+                <a:latin typeface="Source Code Pro Medium" panose="020B0604020202020204" pitchFamily="49" charset="0"/>
+                <a:ea typeface="Source Code Pro Medium" panose="020B0604020202020204" pitchFamily="49" charset="0"/>
+                <a:cs typeface="Amatic SC" panose="00000500000000000000" pitchFamily="2" charset="-79"/>
+              </a:rPr>
+              <a:t>(</a:t>
+            </a:r>
+            <a:r>
+              <a:rPr lang="ru-RU" sz="2400" b="1" i="0" u="none" strike="noStrike" dirty="0">
+                <a:solidFill>
+                  <a:srgbClr val="00B050"/>
+                </a:solidFill>
+                <a:effectLst/>
+                <a:latin typeface="Source Code Pro Medium" panose="020B0604020202020204" pitchFamily="49" charset="0"/>
+                <a:ea typeface="Source Code Pro Medium" panose="020B0604020202020204" pitchFamily="49" charset="0"/>
+                <a:cs typeface="Amatic SC" panose="00000500000000000000" pitchFamily="2" charset="-79"/>
+              </a:rPr>
+              <a:t>логические типы данных)</a:t>
+            </a:r>
+            <a:endParaRPr lang="ru-RU" sz="2400" b="1" dirty="0">
+              <a:solidFill>
+                <a:srgbClr val="00B050"/>
+              </a:solidFill>
+              <a:effectLst/>
+              <a:latin typeface="Source Code Pro Medium" panose="020B0604020202020204" pitchFamily="49" charset="0"/>
+              <a:ea typeface="Source Code Pro Medium" panose="020B0604020202020204" pitchFamily="49" charset="0"/>
+              <a:cs typeface="Amatic SC" panose="00000500000000000000" pitchFamily="2" charset="-79"/>
+            </a:endParaRPr>
+          </a:p>
+        </p:txBody>
+      </p:sp>
+      <p:sp>
+        <p:nvSpPr>
+          <p:cNvPr id="17" name="TextBox 16">
+            <a:extLst>
+              <a:ext uri="{FF2B5EF4-FFF2-40B4-BE49-F238E27FC236}">
+                <a16:creationId xmlns:a16="http://schemas.microsoft.com/office/drawing/2014/main" id="{74595540-6728-45D2-B9AF-B71932AAECEB}"/>
+              </a:ext>
+            </a:extLst>
+          </p:cNvPr>
+          <p:cNvSpPr txBox="1"/>
+          <p:nvPr/>
+        </p:nvSpPr>
+        <p:spPr>
+          <a:xfrm>
+            <a:off x="4495803" y="2172467"/>
+            <a:ext cx="3344333" cy="461665"/>
+          </a:xfrm>
+          <a:prstGeom prst="rect">
+            <a:avLst/>
+          </a:prstGeom>
+          <a:noFill/>
+        </p:spPr>
+        <p:txBody>
+          <a:bodyPr wrap="square">
+            <a:spAutoFit/>
+          </a:bodyPr>
+          <a:lstStyle/>
+          <a:p>
+            <a:pPr algn="ctr" rtl="0">
+              <a:spcBef>
+                <a:spcPts val="0"/>
+              </a:spcBef>
+              <a:spcAft>
+                <a:spcPts val="0"/>
+              </a:spcAft>
+            </a:pPr>
+            <a:r>
+              <a:rPr lang="en-US" sz="2400" b="1" i="0" u="none" strike="noStrike" dirty="0">
+                <a:solidFill>
+                  <a:srgbClr val="00B050"/>
+                </a:solidFill>
+                <a:effectLst/>
+                <a:latin typeface="Source Code Pro Medium" panose="020B0509030403020204" pitchFamily="49" charset="0"/>
+                <a:ea typeface="Source Code Pro Medium" panose="020B0509030403020204" pitchFamily="49" charset="0"/>
+                <a:cs typeface="Amatic SC" panose="00000500000000000000" pitchFamily="2" charset="-79"/>
+              </a:rPr>
+              <a:t>Numbers (</a:t>
+            </a:r>
+            <a:r>
+              <a:rPr lang="ru-RU" sz="2400" b="1" i="0" u="none" strike="noStrike" dirty="0">
+                <a:solidFill>
+                  <a:srgbClr val="00B050"/>
+                </a:solidFill>
+                <a:effectLst/>
+                <a:latin typeface="Source Code Pro Medium" panose="020B0509030403020204" pitchFamily="49" charset="0"/>
+                <a:ea typeface="Source Code Pro Medium" panose="020B0509030403020204" pitchFamily="49" charset="0"/>
+                <a:cs typeface="Amatic SC" panose="00000500000000000000" pitchFamily="2" charset="-79"/>
+              </a:rPr>
+              <a:t>числа)</a:t>
+            </a:r>
+            <a:endParaRPr lang="ru-RU" sz="2400" b="1" dirty="0">
+              <a:solidFill>
+                <a:srgbClr val="00B050"/>
+              </a:solidFill>
+              <a:effectLst/>
+              <a:latin typeface="Source Code Pro Medium" panose="020B0509030403020204" pitchFamily="49" charset="0"/>
+              <a:ea typeface="Source Code Pro Medium" panose="020B0509030403020204" pitchFamily="49" charset="0"/>
+              <a:cs typeface="Amatic SC" panose="00000500000000000000" pitchFamily="2" charset="-79"/>
+            </a:endParaRPr>
+          </a:p>
+        </p:txBody>
+      </p:sp>
+      <p:pic>
+        <p:nvPicPr>
+          <p:cNvPr id="18" name="Google Shape;467;p50">
+            <a:extLst>
+              <a:ext uri="{FF2B5EF4-FFF2-40B4-BE49-F238E27FC236}">
+                <a16:creationId xmlns:a16="http://schemas.microsoft.com/office/drawing/2014/main" id="{2340DDE9-7F8B-43B4-B885-AD6F48F1353E}"/>
+              </a:ext>
+            </a:extLst>
+          </p:cNvPr>
+          <p:cNvPicPr preferRelativeResize="0"/>
+          <p:nvPr/>
+        </p:nvPicPr>
+        <p:blipFill>
+          <a:blip r:embed="rId2">
+            <a:alphaModFix/>
+          </a:blip>
+          <a:stretch>
+            <a:fillRect/>
+          </a:stretch>
+        </p:blipFill>
+        <p:spPr>
+          <a:xfrm flipH="1">
+            <a:off x="1803239" y="3003463"/>
+            <a:ext cx="1092361" cy="1837412"/>
+          </a:xfrm>
+          <a:prstGeom prst="rect">
+            <a:avLst/>
+          </a:prstGeom>
+          <a:noFill/>
+          <a:ln>
+            <a:noFill/>
+          </a:ln>
+        </p:spPr>
+      </p:pic>
+    </p:spTree>
+    <p:extLst>
+      <p:ext uri="{BB962C8B-B14F-4D97-AF65-F5344CB8AC3E}">
+        <p14:creationId xmlns:p14="http://schemas.microsoft.com/office/powerpoint/2010/main" val="2690222862"/>
+      </p:ext>
+    </p:extLst>
+  </p:cSld>
+  <p:clrMapOvr>
+    <a:masterClrMapping/>
+  </p:clrMapOvr>
+</p:sld>
+</file>
+
+<file path=ppt/slides/slide30.xml><?xml version="1.0" encoding="utf-8"?>
 <p:sld xmlns:a="http://schemas.openxmlformats.org/drawingml/2006/main" xmlns:r="http://schemas.openxmlformats.org/officeDocument/2006/relationships" xmlns:p="http://schemas.openxmlformats.org/presentationml/2006/main">
   <p:cSld>
     <p:spTree>
@@ -42361,680 +43140,7 @@
 </p:sld>
 </file>
 
-<file path=ppt/slides/slide3.xml><?xml version="1.0" encoding="utf-8"?>
-<p:sld xmlns:a="http://schemas.openxmlformats.org/drawingml/2006/main" xmlns:r="http://schemas.openxmlformats.org/officeDocument/2006/relationships" xmlns:p="http://schemas.openxmlformats.org/presentationml/2006/main">
-  <p:cSld>
-    <p:spTree>
-      <p:nvGrpSpPr>
-        <p:cNvPr id="1" name=""/>
-        <p:cNvGrpSpPr/>
-        <p:nvPr/>
-      </p:nvGrpSpPr>
-      <p:grpSpPr>
-        <a:xfrm>
-          <a:off x="0" y="0"/>
-          <a:ext cx="0" cy="0"/>
-          <a:chOff x="0" y="0"/>
-          <a:chExt cx="0" cy="0"/>
-        </a:xfrm>
-      </p:grpSpPr>
-      <p:sp>
-        <p:nvSpPr>
-          <p:cNvPr id="2" name="Заголовок 1">
-            <a:extLst>
-              <a:ext uri="{FF2B5EF4-FFF2-40B4-BE49-F238E27FC236}">
-                <a16:creationId xmlns:a16="http://schemas.microsoft.com/office/drawing/2014/main" id="{93BB068E-CCD3-41B7-AE1D-BA9164BA7459}"/>
-              </a:ext>
-            </a:extLst>
-          </p:cNvPr>
-          <p:cNvSpPr>
-            <a:spLocks noGrp="1"/>
-          </p:cNvSpPr>
-          <p:nvPr>
-            <p:ph type="title"/>
-          </p:nvPr>
-        </p:nvSpPr>
-        <p:spPr/>
-        <p:txBody>
-          <a:bodyPr/>
-          <a:lstStyle/>
-          <a:p>
-            <a:r>
-              <a:rPr lang="ru-RU" sz="4000" dirty="0"/>
-              <a:t>Типы данных</a:t>
-            </a:r>
-            <a:r>
-              <a:rPr lang="en-US" sz="4000" dirty="0"/>
-              <a:t> </a:t>
-            </a:r>
-            <a:r>
-              <a:rPr lang="ru-RU" sz="4000" dirty="0"/>
-              <a:t>по изменяемости</a:t>
-            </a:r>
-          </a:p>
-        </p:txBody>
-      </p:sp>
-      <p:sp>
-        <p:nvSpPr>
-          <p:cNvPr id="9" name="TextBox 8">
-            <a:extLst>
-              <a:ext uri="{FF2B5EF4-FFF2-40B4-BE49-F238E27FC236}">
-                <a16:creationId xmlns:a16="http://schemas.microsoft.com/office/drawing/2014/main" id="{F144B19F-105A-42A2-886C-FF877432D3BA}"/>
-              </a:ext>
-            </a:extLst>
-          </p:cNvPr>
-          <p:cNvSpPr txBox="1"/>
-          <p:nvPr/>
-        </p:nvSpPr>
-        <p:spPr>
-          <a:xfrm>
-            <a:off x="4495802" y="4957522"/>
-            <a:ext cx="3344333" cy="461665"/>
-          </a:xfrm>
-          <a:prstGeom prst="rect">
-            <a:avLst/>
-          </a:prstGeom>
-          <a:noFill/>
-        </p:spPr>
-        <p:txBody>
-          <a:bodyPr wrap="square">
-            <a:spAutoFit/>
-          </a:bodyPr>
-          <a:lstStyle/>
-          <a:p>
-            <a:pPr algn="ctr" rtl="0">
-              <a:spcBef>
-                <a:spcPts val="0"/>
-              </a:spcBef>
-              <a:spcAft>
-                <a:spcPts val="0"/>
-              </a:spcAft>
-            </a:pPr>
-            <a:r>
-              <a:rPr lang="en-US" sz="2400" b="1" i="0" u="none" strike="noStrike" dirty="0">
-                <a:solidFill>
-                  <a:srgbClr val="00B050"/>
-                </a:solidFill>
-                <a:effectLst/>
-                <a:latin typeface="Source Code Pro Medium" panose="020B0509030403020204" pitchFamily="49" charset="0"/>
-                <a:ea typeface="Source Code Pro Medium" panose="020B0509030403020204" pitchFamily="49" charset="0"/>
-                <a:cs typeface="Amatic SC" panose="00000500000000000000" pitchFamily="2" charset="-79"/>
-              </a:rPr>
-              <a:t>Tuples (</a:t>
-            </a:r>
-            <a:r>
-              <a:rPr lang="ru-RU" sz="2400" b="1" i="0" u="none" strike="noStrike" dirty="0">
-                <a:solidFill>
-                  <a:srgbClr val="00B050"/>
-                </a:solidFill>
-                <a:effectLst/>
-                <a:latin typeface="Source Code Pro Medium" panose="020B0509030403020204" pitchFamily="49" charset="0"/>
-                <a:ea typeface="Source Code Pro Medium" panose="020B0509030403020204" pitchFamily="49" charset="0"/>
-                <a:cs typeface="Amatic SC" panose="00000500000000000000" pitchFamily="2" charset="-79"/>
-              </a:rPr>
-              <a:t>кортежи)</a:t>
-            </a:r>
-          </a:p>
-        </p:txBody>
-      </p:sp>
-      <p:sp>
-        <p:nvSpPr>
-          <p:cNvPr id="10" name="TextBox 9">
-            <a:extLst>
-              <a:ext uri="{FF2B5EF4-FFF2-40B4-BE49-F238E27FC236}">
-                <a16:creationId xmlns:a16="http://schemas.microsoft.com/office/drawing/2014/main" id="{BF34203F-A692-4D89-8307-481175E8F567}"/>
-              </a:ext>
-            </a:extLst>
-          </p:cNvPr>
-          <p:cNvSpPr txBox="1"/>
-          <p:nvPr/>
-        </p:nvSpPr>
-        <p:spPr>
-          <a:xfrm>
-            <a:off x="8074066" y="2172467"/>
-            <a:ext cx="3344333" cy="461665"/>
-          </a:xfrm>
-          <a:prstGeom prst="rect">
-            <a:avLst/>
-          </a:prstGeom>
-          <a:noFill/>
-        </p:spPr>
-        <p:txBody>
-          <a:bodyPr wrap="square">
-            <a:spAutoFit/>
-          </a:bodyPr>
-          <a:lstStyle/>
-          <a:p>
-            <a:pPr algn="ctr" rtl="0">
-              <a:spcBef>
-                <a:spcPts val="0"/>
-              </a:spcBef>
-              <a:spcAft>
-                <a:spcPts val="0"/>
-              </a:spcAft>
-            </a:pPr>
-            <a:r>
-              <a:rPr lang="en-US" sz="2400" b="1" i="0" u="none" strike="noStrike" dirty="0">
-                <a:solidFill>
-                  <a:srgbClr val="00B050"/>
-                </a:solidFill>
-                <a:effectLst/>
-                <a:latin typeface="Source Code Pro Medium" panose="020B0509030403020204" pitchFamily="49" charset="0"/>
-                <a:ea typeface="Source Code Pro Medium" panose="020B0509030403020204" pitchFamily="49" charset="0"/>
-                <a:cs typeface="Amatic SC" panose="00000500000000000000" pitchFamily="2" charset="-79"/>
-              </a:rPr>
-              <a:t>String (</a:t>
-            </a:r>
-            <a:r>
-              <a:rPr lang="ru-RU" sz="2400" b="1" i="0" u="none" strike="noStrike" dirty="0">
-                <a:solidFill>
-                  <a:srgbClr val="00B050"/>
-                </a:solidFill>
-                <a:effectLst/>
-                <a:latin typeface="Source Code Pro Medium" panose="020B0509030403020204" pitchFamily="49" charset="0"/>
-                <a:ea typeface="Source Code Pro Medium" panose="020B0509030403020204" pitchFamily="49" charset="0"/>
-                <a:cs typeface="Amatic SC" panose="00000500000000000000" pitchFamily="2" charset="-79"/>
-              </a:rPr>
-              <a:t>строки)</a:t>
-            </a:r>
-          </a:p>
-        </p:txBody>
-      </p:sp>
-      <p:sp>
-        <p:nvSpPr>
-          <p:cNvPr id="12" name="TextBox 11">
-            <a:extLst>
-              <a:ext uri="{FF2B5EF4-FFF2-40B4-BE49-F238E27FC236}">
-                <a16:creationId xmlns:a16="http://schemas.microsoft.com/office/drawing/2014/main" id="{51459F0E-F094-4456-A463-A43C145D73AB}"/>
-              </a:ext>
-            </a:extLst>
-          </p:cNvPr>
-          <p:cNvSpPr txBox="1"/>
-          <p:nvPr/>
-        </p:nvSpPr>
-        <p:spPr>
-          <a:xfrm>
-            <a:off x="7907867" y="4756568"/>
-            <a:ext cx="3344333" cy="830997"/>
-          </a:xfrm>
-          <a:prstGeom prst="rect">
-            <a:avLst/>
-          </a:prstGeom>
-          <a:noFill/>
-        </p:spPr>
-        <p:txBody>
-          <a:bodyPr wrap="square">
-            <a:spAutoFit/>
-          </a:bodyPr>
-          <a:lstStyle/>
-          <a:p>
-            <a:pPr algn="ctr" rtl="0">
-              <a:spcBef>
-                <a:spcPts val="0"/>
-              </a:spcBef>
-              <a:spcAft>
-                <a:spcPts val="0"/>
-              </a:spcAft>
-            </a:pPr>
-            <a:r>
-              <a:rPr lang="en-US" sz="2400" b="1" i="0" u="none" strike="noStrike" dirty="0">
-                <a:solidFill>
-                  <a:srgbClr val="0000FF"/>
-                </a:solidFill>
-                <a:effectLst/>
-                <a:latin typeface="Source Code Pro Medium" panose="020B0509030403020204" pitchFamily="49" charset="0"/>
-                <a:ea typeface="Source Code Pro Medium" panose="020B0509030403020204" pitchFamily="49" charset="0"/>
-                <a:cs typeface="Amatic SC" panose="00000500000000000000" pitchFamily="2" charset="-79"/>
-              </a:rPr>
-              <a:t>Dictionaries (</a:t>
-            </a:r>
-            <a:r>
-              <a:rPr lang="ru-RU" sz="2400" b="1" i="0" u="none" strike="noStrike" dirty="0">
-                <a:solidFill>
-                  <a:srgbClr val="0000FF"/>
-                </a:solidFill>
-                <a:effectLst/>
-                <a:latin typeface="Source Code Pro Medium" panose="020B0509030403020204" pitchFamily="49" charset="0"/>
-                <a:ea typeface="Source Code Pro Medium" panose="020B0509030403020204" pitchFamily="49" charset="0"/>
-                <a:cs typeface="Amatic SC" panose="00000500000000000000" pitchFamily="2" charset="-79"/>
-              </a:rPr>
-              <a:t>словари)</a:t>
-            </a:r>
-          </a:p>
-        </p:txBody>
-      </p:sp>
-      <p:sp>
-        <p:nvSpPr>
-          <p:cNvPr id="13" name="TextBox 12">
-            <a:extLst>
-              <a:ext uri="{FF2B5EF4-FFF2-40B4-BE49-F238E27FC236}">
-                <a16:creationId xmlns:a16="http://schemas.microsoft.com/office/drawing/2014/main" id="{2CB4782B-1D4B-40FC-9BC0-F2F8FC139625}"/>
-              </a:ext>
-            </a:extLst>
-          </p:cNvPr>
-          <p:cNvSpPr txBox="1"/>
-          <p:nvPr/>
-        </p:nvSpPr>
-        <p:spPr>
-          <a:xfrm>
-            <a:off x="939802" y="4991866"/>
-            <a:ext cx="3344333" cy="461665"/>
-          </a:xfrm>
-          <a:prstGeom prst="rect">
-            <a:avLst/>
-          </a:prstGeom>
-          <a:noFill/>
-        </p:spPr>
-        <p:txBody>
-          <a:bodyPr wrap="square">
-            <a:spAutoFit/>
-          </a:bodyPr>
-          <a:lstStyle/>
-          <a:p>
-            <a:pPr algn="ctr" rtl="0">
-              <a:spcBef>
-                <a:spcPts val="0"/>
-              </a:spcBef>
-              <a:spcAft>
-                <a:spcPts val="0"/>
-              </a:spcAft>
-            </a:pPr>
-            <a:r>
-              <a:rPr lang="en-US" sz="2400" b="1" i="0" u="none" strike="noStrike" dirty="0">
-                <a:solidFill>
-                  <a:srgbClr val="0000FF"/>
-                </a:solidFill>
-                <a:effectLst/>
-                <a:latin typeface="Source Code Pro Medium" panose="020B0509030403020204" pitchFamily="49" charset="0"/>
-                <a:ea typeface="Source Code Pro Medium" panose="020B0509030403020204" pitchFamily="49" charset="0"/>
-                <a:cs typeface="Amatic SC" panose="00000500000000000000" pitchFamily="2" charset="-79"/>
-              </a:rPr>
-              <a:t>Set (</a:t>
-            </a:r>
-            <a:r>
-              <a:rPr lang="ru-RU" sz="2400" b="1" i="0" u="none" strike="noStrike" dirty="0">
-                <a:solidFill>
-                  <a:srgbClr val="0000FF"/>
-                </a:solidFill>
-                <a:effectLst/>
-                <a:latin typeface="Source Code Pro Medium" panose="020B0509030403020204" pitchFamily="49" charset="0"/>
-                <a:ea typeface="Source Code Pro Medium" panose="020B0509030403020204" pitchFamily="49" charset="0"/>
-                <a:cs typeface="Amatic SC" panose="00000500000000000000" pitchFamily="2" charset="-79"/>
-              </a:rPr>
-              <a:t>множества)</a:t>
-            </a:r>
-          </a:p>
-        </p:txBody>
-      </p:sp>
-      <p:sp>
-        <p:nvSpPr>
-          <p:cNvPr id="15" name="TextBox 14">
-            <a:extLst>
-              <a:ext uri="{FF2B5EF4-FFF2-40B4-BE49-F238E27FC236}">
-                <a16:creationId xmlns:a16="http://schemas.microsoft.com/office/drawing/2014/main" id="{9E5093F3-42AF-4C96-9986-510B61FDE363}"/>
-              </a:ext>
-            </a:extLst>
-          </p:cNvPr>
-          <p:cNvSpPr txBox="1"/>
-          <p:nvPr/>
-        </p:nvSpPr>
-        <p:spPr>
-          <a:xfrm>
-            <a:off x="7984072" y="3487600"/>
-            <a:ext cx="3344333" cy="461665"/>
-          </a:xfrm>
-          <a:prstGeom prst="rect">
-            <a:avLst/>
-          </a:prstGeom>
-          <a:noFill/>
-        </p:spPr>
-        <p:txBody>
-          <a:bodyPr wrap="square">
-            <a:spAutoFit/>
-          </a:bodyPr>
-          <a:lstStyle/>
-          <a:p>
-            <a:pPr algn="ctr" rtl="0">
-              <a:spcBef>
-                <a:spcPts val="0"/>
-              </a:spcBef>
-              <a:spcAft>
-                <a:spcPts val="0"/>
-              </a:spcAft>
-            </a:pPr>
-            <a:r>
-              <a:rPr lang="en-US" sz="2400" b="1" i="0" u="none" strike="noStrike" dirty="0">
-                <a:solidFill>
-                  <a:srgbClr val="0000FF"/>
-                </a:solidFill>
-                <a:effectLst/>
-                <a:latin typeface="Source Code Pro Medium" panose="020B0509030403020204" pitchFamily="49" charset="0"/>
-                <a:ea typeface="Source Code Pro Medium" panose="020B0509030403020204" pitchFamily="49" charset="0"/>
-                <a:cs typeface="Amatic SC" panose="00000500000000000000" pitchFamily="2" charset="-79"/>
-              </a:rPr>
-              <a:t>List (</a:t>
-            </a:r>
-            <a:r>
-              <a:rPr lang="ru-RU" sz="2400" b="1" i="0" u="none" strike="noStrike" dirty="0">
-                <a:solidFill>
-                  <a:srgbClr val="0000FF"/>
-                </a:solidFill>
-                <a:effectLst/>
-                <a:latin typeface="Source Code Pro Medium" panose="020B0509030403020204" pitchFamily="49" charset="0"/>
-                <a:ea typeface="Source Code Pro Medium" panose="020B0509030403020204" pitchFamily="49" charset="0"/>
-                <a:cs typeface="Amatic SC" panose="00000500000000000000" pitchFamily="2" charset="-79"/>
-              </a:rPr>
-              <a:t>списки)</a:t>
-            </a:r>
-          </a:p>
-        </p:txBody>
-      </p:sp>
-      <p:sp>
-        <p:nvSpPr>
-          <p:cNvPr id="16" name="TextBox 15">
-            <a:extLst>
-              <a:ext uri="{FF2B5EF4-FFF2-40B4-BE49-F238E27FC236}">
-                <a16:creationId xmlns:a16="http://schemas.microsoft.com/office/drawing/2014/main" id="{D073671C-638A-4140-AAC0-1311FAC8D9C9}"/>
-              </a:ext>
-            </a:extLst>
-          </p:cNvPr>
-          <p:cNvSpPr txBox="1"/>
-          <p:nvPr/>
-        </p:nvSpPr>
-        <p:spPr>
-          <a:xfrm>
-            <a:off x="4314438" y="3118270"/>
-            <a:ext cx="3707064" cy="1200329"/>
-          </a:xfrm>
-          <a:prstGeom prst="rect">
-            <a:avLst/>
-          </a:prstGeom>
-          <a:noFill/>
-        </p:spPr>
-        <p:txBody>
-          <a:bodyPr wrap="square">
-            <a:spAutoFit/>
-          </a:bodyPr>
-          <a:lstStyle/>
-          <a:p>
-            <a:pPr algn="ctr" rtl="0">
-              <a:spcBef>
-                <a:spcPts val="0"/>
-              </a:spcBef>
-              <a:spcAft>
-                <a:spcPts val="0"/>
-              </a:spcAft>
-            </a:pPr>
-            <a:r>
-              <a:rPr lang="ru-RU" sz="3600" b="1" i="0" u="none" strike="noStrike" dirty="0">
-                <a:solidFill>
-                  <a:srgbClr val="0000FF"/>
-                </a:solidFill>
-                <a:effectLst/>
-                <a:latin typeface="Amatic SC" panose="00000500000000000000" pitchFamily="2" charset="-79"/>
-                <a:cs typeface="Amatic SC" panose="00000500000000000000" pitchFamily="2" charset="-79"/>
-              </a:rPr>
-              <a:t>Изменяемые</a:t>
-            </a:r>
-            <a:endParaRPr lang="ru-RU" sz="3600" b="0" dirty="0">
-              <a:effectLst/>
-              <a:latin typeface="Amatic SC" panose="00000500000000000000" pitchFamily="2" charset="-79"/>
-              <a:cs typeface="Amatic SC" panose="00000500000000000000" pitchFamily="2" charset="-79"/>
-            </a:endParaRPr>
-          </a:p>
-          <a:p>
-            <a:pPr algn="ctr" rtl="0">
-              <a:spcBef>
-                <a:spcPts val="0"/>
-              </a:spcBef>
-              <a:spcAft>
-                <a:spcPts val="0"/>
-              </a:spcAft>
-            </a:pPr>
-            <a:r>
-              <a:rPr lang="ru-RU" sz="3600" b="1" i="0" u="none" strike="noStrike" dirty="0">
-                <a:solidFill>
-                  <a:srgbClr val="00B050"/>
-                </a:solidFill>
-                <a:effectLst/>
-                <a:latin typeface="Amatic SC" panose="00000500000000000000" pitchFamily="2" charset="-79"/>
-                <a:cs typeface="Amatic SC" panose="00000500000000000000" pitchFamily="2" charset="-79"/>
-              </a:rPr>
-              <a:t>Неизменяемые</a:t>
-            </a:r>
-            <a:endParaRPr lang="ru-RU" sz="3600" dirty="0">
-              <a:solidFill>
-                <a:srgbClr val="00B050"/>
-              </a:solidFill>
-              <a:latin typeface="Amatic SC" panose="00000500000000000000" pitchFamily="2" charset="-79"/>
-              <a:cs typeface="Amatic SC" panose="00000500000000000000" pitchFamily="2" charset="-79"/>
-            </a:endParaRPr>
-          </a:p>
-        </p:txBody>
-      </p:sp>
-      <p:sp>
-        <p:nvSpPr>
-          <p:cNvPr id="11" name="TextBox 10">
-            <a:extLst>
-              <a:ext uri="{FF2B5EF4-FFF2-40B4-BE49-F238E27FC236}">
-                <a16:creationId xmlns:a16="http://schemas.microsoft.com/office/drawing/2014/main" id="{79C5F90F-CAB5-4099-9E26-C67DE14B3272}"/>
-              </a:ext>
-            </a:extLst>
-          </p:cNvPr>
-          <p:cNvSpPr txBox="1"/>
-          <p:nvPr/>
-        </p:nvSpPr>
-        <p:spPr>
-          <a:xfrm>
-            <a:off x="939800" y="1803134"/>
-            <a:ext cx="3462867" cy="1200329"/>
-          </a:xfrm>
-          <a:prstGeom prst="rect">
-            <a:avLst/>
-          </a:prstGeom>
-          <a:noFill/>
-        </p:spPr>
-        <p:txBody>
-          <a:bodyPr wrap="square">
-            <a:spAutoFit/>
-          </a:bodyPr>
-          <a:lstStyle/>
-          <a:p>
-            <a:pPr algn="ctr" rtl="0">
-              <a:spcBef>
-                <a:spcPts val="0"/>
-              </a:spcBef>
-              <a:spcAft>
-                <a:spcPts val="0"/>
-              </a:spcAft>
-            </a:pPr>
-            <a:r>
-              <a:rPr lang="en-US" sz="2400" b="1" i="0" u="none" strike="noStrike" dirty="0">
-                <a:solidFill>
-                  <a:srgbClr val="00B050"/>
-                </a:solidFill>
-                <a:effectLst/>
-                <a:latin typeface="Source Code Pro Medium" panose="020B0604020202020204" pitchFamily="49" charset="0"/>
-                <a:ea typeface="Source Code Pro Medium" panose="020B0604020202020204" pitchFamily="49" charset="0"/>
-                <a:cs typeface="Amatic SC" panose="00000500000000000000" pitchFamily="2" charset="-79"/>
-              </a:rPr>
-              <a:t>Boolean </a:t>
-            </a:r>
-            <a:endParaRPr lang="en-US" sz="2400" b="1" dirty="0">
-              <a:solidFill>
-                <a:srgbClr val="00B050"/>
-              </a:solidFill>
-              <a:effectLst/>
-              <a:latin typeface="Source Code Pro Medium" panose="020B0604020202020204" pitchFamily="49" charset="0"/>
-              <a:ea typeface="Source Code Pro Medium" panose="020B0604020202020204" pitchFamily="49" charset="0"/>
-              <a:cs typeface="Amatic SC" panose="00000500000000000000" pitchFamily="2" charset="-79"/>
-            </a:endParaRPr>
-          </a:p>
-          <a:p>
-            <a:pPr algn="ctr" rtl="0">
-              <a:spcBef>
-                <a:spcPts val="0"/>
-              </a:spcBef>
-              <a:spcAft>
-                <a:spcPts val="0"/>
-              </a:spcAft>
-            </a:pPr>
-            <a:r>
-              <a:rPr lang="en-US" sz="2400" b="1" i="0" u="none" strike="noStrike" dirty="0">
-                <a:solidFill>
-                  <a:srgbClr val="00B050"/>
-                </a:solidFill>
-                <a:effectLst/>
-                <a:latin typeface="Source Code Pro Medium" panose="020B0604020202020204" pitchFamily="49" charset="0"/>
-                <a:ea typeface="Source Code Pro Medium" panose="020B0604020202020204" pitchFamily="49" charset="0"/>
-                <a:cs typeface="Amatic SC" panose="00000500000000000000" pitchFamily="2" charset="-79"/>
-              </a:rPr>
-              <a:t>(</a:t>
-            </a:r>
-            <a:r>
-              <a:rPr lang="ru-RU" sz="2400" b="1" i="0" u="none" strike="noStrike" dirty="0">
-                <a:solidFill>
-                  <a:srgbClr val="00B050"/>
-                </a:solidFill>
-                <a:effectLst/>
-                <a:latin typeface="Source Code Pro Medium" panose="020B0604020202020204" pitchFamily="49" charset="0"/>
-                <a:ea typeface="Source Code Pro Medium" panose="020B0604020202020204" pitchFamily="49" charset="0"/>
-                <a:cs typeface="Amatic SC" panose="00000500000000000000" pitchFamily="2" charset="-79"/>
-              </a:rPr>
-              <a:t>логические типы данных)</a:t>
-            </a:r>
-            <a:endParaRPr lang="ru-RU" sz="2400" b="1" dirty="0">
-              <a:solidFill>
-                <a:srgbClr val="00B050"/>
-              </a:solidFill>
-              <a:effectLst/>
-              <a:latin typeface="Source Code Pro Medium" panose="020B0604020202020204" pitchFamily="49" charset="0"/>
-              <a:ea typeface="Source Code Pro Medium" panose="020B0604020202020204" pitchFamily="49" charset="0"/>
-              <a:cs typeface="Amatic SC" panose="00000500000000000000" pitchFamily="2" charset="-79"/>
-            </a:endParaRPr>
-          </a:p>
-        </p:txBody>
-      </p:sp>
-      <p:sp>
-        <p:nvSpPr>
-          <p:cNvPr id="17" name="TextBox 16">
-            <a:extLst>
-              <a:ext uri="{FF2B5EF4-FFF2-40B4-BE49-F238E27FC236}">
-                <a16:creationId xmlns:a16="http://schemas.microsoft.com/office/drawing/2014/main" id="{74595540-6728-45D2-B9AF-B71932AAECEB}"/>
-              </a:ext>
-            </a:extLst>
-          </p:cNvPr>
-          <p:cNvSpPr txBox="1"/>
-          <p:nvPr/>
-        </p:nvSpPr>
-        <p:spPr>
-          <a:xfrm>
-            <a:off x="4495803" y="2172467"/>
-            <a:ext cx="3344333" cy="461665"/>
-          </a:xfrm>
-          <a:prstGeom prst="rect">
-            <a:avLst/>
-          </a:prstGeom>
-          <a:noFill/>
-        </p:spPr>
-        <p:txBody>
-          <a:bodyPr wrap="square">
-            <a:spAutoFit/>
-          </a:bodyPr>
-          <a:lstStyle/>
-          <a:p>
-            <a:pPr algn="ctr" rtl="0">
-              <a:spcBef>
-                <a:spcPts val="0"/>
-              </a:spcBef>
-              <a:spcAft>
-                <a:spcPts val="0"/>
-              </a:spcAft>
-            </a:pPr>
-            <a:r>
-              <a:rPr lang="en-US" sz="2400" b="1" i="0" u="none" strike="noStrike" dirty="0">
-                <a:solidFill>
-                  <a:srgbClr val="00B050"/>
-                </a:solidFill>
-                <a:effectLst/>
-                <a:latin typeface="Source Code Pro Medium" panose="020B0509030403020204" pitchFamily="49" charset="0"/>
-                <a:ea typeface="Source Code Pro Medium" panose="020B0509030403020204" pitchFamily="49" charset="0"/>
-                <a:cs typeface="Amatic SC" panose="00000500000000000000" pitchFamily="2" charset="-79"/>
-              </a:rPr>
-              <a:t>Numbers (</a:t>
-            </a:r>
-            <a:r>
-              <a:rPr lang="ru-RU" sz="2400" b="1" i="0" u="none" strike="noStrike" dirty="0">
-                <a:solidFill>
-                  <a:srgbClr val="00B050"/>
-                </a:solidFill>
-                <a:effectLst/>
-                <a:latin typeface="Source Code Pro Medium" panose="020B0509030403020204" pitchFamily="49" charset="0"/>
-                <a:ea typeface="Source Code Pro Medium" panose="020B0509030403020204" pitchFamily="49" charset="0"/>
-                <a:cs typeface="Amatic SC" panose="00000500000000000000" pitchFamily="2" charset="-79"/>
-              </a:rPr>
-              <a:t>числа)</a:t>
-            </a:r>
-            <a:endParaRPr lang="ru-RU" sz="2400" b="1" dirty="0">
-              <a:solidFill>
-                <a:srgbClr val="00B050"/>
-              </a:solidFill>
-              <a:effectLst/>
-              <a:latin typeface="Source Code Pro Medium" panose="020B0509030403020204" pitchFamily="49" charset="0"/>
-              <a:ea typeface="Source Code Pro Medium" panose="020B0509030403020204" pitchFamily="49" charset="0"/>
-              <a:cs typeface="Amatic SC" panose="00000500000000000000" pitchFamily="2" charset="-79"/>
-            </a:endParaRPr>
-          </a:p>
-        </p:txBody>
-      </p:sp>
-      <p:pic>
-        <p:nvPicPr>
-          <p:cNvPr id="18" name="Google Shape;467;p50">
-            <a:extLst>
-              <a:ext uri="{FF2B5EF4-FFF2-40B4-BE49-F238E27FC236}">
-                <a16:creationId xmlns:a16="http://schemas.microsoft.com/office/drawing/2014/main" id="{2340DDE9-7F8B-43B4-B885-AD6F48F1353E}"/>
-              </a:ext>
-            </a:extLst>
-          </p:cNvPr>
-          <p:cNvPicPr preferRelativeResize="0"/>
-          <p:nvPr/>
-        </p:nvPicPr>
-        <p:blipFill>
-          <a:blip r:embed="rId2">
-            <a:alphaModFix/>
-          </a:blip>
-          <a:stretch>
-            <a:fillRect/>
-          </a:stretch>
-        </p:blipFill>
-        <p:spPr>
-          <a:xfrm flipH="1">
-            <a:off x="1803239" y="3003463"/>
-            <a:ext cx="1092361" cy="1837412"/>
-          </a:xfrm>
-          <a:prstGeom prst="rect">
-            <a:avLst/>
-          </a:prstGeom>
-          <a:noFill/>
-          <a:ln>
-            <a:noFill/>
-          </a:ln>
-        </p:spPr>
-      </p:pic>
-    </p:spTree>
-    <p:extLst>
-      <p:ext uri="{BB962C8B-B14F-4D97-AF65-F5344CB8AC3E}">
-        <p14:creationId xmlns:p14="http://schemas.microsoft.com/office/powerpoint/2010/main" val="2690222862"/>
-      </p:ext>
-    </p:extLst>
-  </p:cSld>
-  <p:clrMapOvr>
-    <a:masterClrMapping/>
-  </p:clrMapOvr>
-</p:sld>
-</file>
-
-<file path=ppt/slides/slide30.xml><?xml version="1.0" encoding="utf-8"?>
+<file path=ppt/slides/slide31.xml><?xml version="1.0" encoding="utf-8"?>
 <p:sld xmlns:a="http://schemas.openxmlformats.org/drawingml/2006/main" xmlns:r="http://schemas.openxmlformats.org/officeDocument/2006/relationships" xmlns:p="http://schemas.openxmlformats.org/presentationml/2006/main">
   <p:cSld>
     <p:spTree>
@@ -43885,7 +43991,7 @@
 </p:sld>
 </file>
 
-<file path=ppt/slides/slide31.xml><?xml version="1.0" encoding="utf-8"?>
+<file path=ppt/slides/slide32.xml><?xml version="1.0" encoding="utf-8"?>
 <p:sld xmlns:a="http://schemas.openxmlformats.org/drawingml/2006/main" xmlns:r="http://schemas.openxmlformats.org/officeDocument/2006/relationships" xmlns:p="http://schemas.openxmlformats.org/presentationml/2006/main">
   <p:cSld>
     <p:spTree>
@@ -43978,7 +44084,7 @@
 </p:sld>
 </file>
 
-<file path=ppt/slides/slide32.xml><?xml version="1.0" encoding="utf-8"?>
+<file path=ppt/slides/slide33.xml><?xml version="1.0" encoding="utf-8"?>
 <p:sld xmlns:a="http://schemas.openxmlformats.org/drawingml/2006/main" xmlns:r="http://schemas.openxmlformats.org/officeDocument/2006/relationships" xmlns:p="http://schemas.openxmlformats.org/presentationml/2006/main">
   <p:cSld>
     <p:spTree>
@@ -44071,7 +44177,7 @@
 </p:sld>
 </file>
 
-<file path=ppt/slides/slide33.xml><?xml version="1.0" encoding="utf-8"?>
+<file path=ppt/slides/slide34.xml><?xml version="1.0" encoding="utf-8"?>
 <p:sld xmlns:a="http://schemas.openxmlformats.org/drawingml/2006/main" xmlns:r="http://schemas.openxmlformats.org/officeDocument/2006/relationships" xmlns:p="http://schemas.openxmlformats.org/presentationml/2006/main">
   <p:cSld>
     <p:spTree>
